--- a/playground/util/Presentation OTel.pptx
+++ b/playground/util/Presentation OTel.pptx
@@ -104,6 +104,11 @@
       </a:defRPr>
     </a:lvl9pPr>
   </p:defaultTextStyle>
+  <p:extLst>
+    <p:ext uri="{EFAFB233-063F-42B5-8137-9DF3F51BA10A}">
+      <p15:sldGuideLst xmlns:p15="http://schemas.microsoft.com/office/powerpoint/2012/main"/>
+    </p:ext>
+  </p:extLst>
 </p:presentation>
 </file>
 
@@ -256,7 +261,7 @@
           <a:p>
             <a:fld id="{BEBC0DE8-EB8D-3340-8B2B-5F8E8F078A2B}" type="datetimeFigureOut">
               <a:rPr lang="en-BR" smtClean="0"/>
-              <a:t>07/12/21</a:t>
+              <a:t>10/24/23</a:t>
             </a:fld>
             <a:endParaRPr lang="en-BR"/>
           </a:p>
@@ -456,7 +461,7 @@
           <a:p>
             <a:fld id="{BEBC0DE8-EB8D-3340-8B2B-5F8E8F078A2B}" type="datetimeFigureOut">
               <a:rPr lang="en-BR" smtClean="0"/>
-              <a:t>07/12/21</a:t>
+              <a:t>10/24/23</a:t>
             </a:fld>
             <a:endParaRPr lang="en-BR"/>
           </a:p>
@@ -666,7 +671,7 @@
           <a:p>
             <a:fld id="{BEBC0DE8-EB8D-3340-8B2B-5F8E8F078A2B}" type="datetimeFigureOut">
               <a:rPr lang="en-BR" smtClean="0"/>
-              <a:t>07/12/21</a:t>
+              <a:t>10/24/23</a:t>
             </a:fld>
             <a:endParaRPr lang="en-BR"/>
           </a:p>
@@ -866,7 +871,7 @@
           <a:p>
             <a:fld id="{BEBC0DE8-EB8D-3340-8B2B-5F8E8F078A2B}" type="datetimeFigureOut">
               <a:rPr lang="en-BR" smtClean="0"/>
-              <a:t>07/12/21</a:t>
+              <a:t>10/24/23</a:t>
             </a:fld>
             <a:endParaRPr lang="en-BR"/>
           </a:p>
@@ -1142,7 +1147,7 @@
           <a:p>
             <a:fld id="{BEBC0DE8-EB8D-3340-8B2B-5F8E8F078A2B}" type="datetimeFigureOut">
               <a:rPr lang="en-BR" smtClean="0"/>
-              <a:t>07/12/21</a:t>
+              <a:t>10/24/23</a:t>
             </a:fld>
             <a:endParaRPr lang="en-BR"/>
           </a:p>
@@ -1410,7 +1415,7 @@
           <a:p>
             <a:fld id="{BEBC0DE8-EB8D-3340-8B2B-5F8E8F078A2B}" type="datetimeFigureOut">
               <a:rPr lang="en-BR" smtClean="0"/>
-              <a:t>07/12/21</a:t>
+              <a:t>10/24/23</a:t>
             </a:fld>
             <a:endParaRPr lang="en-BR"/>
           </a:p>
@@ -1825,7 +1830,7 @@
           <a:p>
             <a:fld id="{BEBC0DE8-EB8D-3340-8B2B-5F8E8F078A2B}" type="datetimeFigureOut">
               <a:rPr lang="en-BR" smtClean="0"/>
-              <a:t>07/12/21</a:t>
+              <a:t>10/24/23</a:t>
             </a:fld>
             <a:endParaRPr lang="en-BR"/>
           </a:p>
@@ -1967,7 +1972,7 @@
           <a:p>
             <a:fld id="{BEBC0DE8-EB8D-3340-8B2B-5F8E8F078A2B}" type="datetimeFigureOut">
               <a:rPr lang="en-BR" smtClean="0"/>
-              <a:t>07/12/21</a:t>
+              <a:t>10/24/23</a:t>
             </a:fld>
             <a:endParaRPr lang="en-BR"/>
           </a:p>
@@ -2080,7 +2085,7 @@
           <a:p>
             <a:fld id="{BEBC0DE8-EB8D-3340-8B2B-5F8E8F078A2B}" type="datetimeFigureOut">
               <a:rPr lang="en-BR" smtClean="0"/>
-              <a:t>07/12/21</a:t>
+              <a:t>10/24/23</a:t>
             </a:fld>
             <a:endParaRPr lang="en-BR"/>
           </a:p>
@@ -2393,7 +2398,7 @@
           <a:p>
             <a:fld id="{BEBC0DE8-EB8D-3340-8B2B-5F8E8F078A2B}" type="datetimeFigureOut">
               <a:rPr lang="en-BR" smtClean="0"/>
-              <a:t>07/12/21</a:t>
+              <a:t>10/24/23</a:t>
             </a:fld>
             <a:endParaRPr lang="en-BR"/>
           </a:p>
@@ -2682,7 +2687,7 @@
           <a:p>
             <a:fld id="{BEBC0DE8-EB8D-3340-8B2B-5F8E8F078A2B}" type="datetimeFigureOut">
               <a:rPr lang="en-BR" smtClean="0"/>
-              <a:t>07/12/21</a:t>
+              <a:t>10/24/23</a:t>
             </a:fld>
             <a:endParaRPr lang="en-BR"/>
           </a:p>
@@ -2925,7 +2930,7 @@
           <a:p>
             <a:fld id="{BEBC0DE8-EB8D-3340-8B2B-5F8E8F078A2B}" type="datetimeFigureOut">
               <a:rPr lang="en-BR" smtClean="0"/>
-              <a:t>07/12/21</a:t>
+              <a:t>10/24/23</a:t>
             </a:fld>
             <a:endParaRPr lang="en-BR"/>
           </a:p>
@@ -3383,9 +3388,10 @@
           <a:p>
             <a:pPr algn="r"/>
             <a:r>
-              <a:rPr lang="en-BR" sz="1100" dirty="0"/>
-              <a:t>Internet Banking</a:t>
-            </a:r>
+              <a:rPr lang="en-US" sz="1100" dirty="0"/>
+              <a:t>Web</a:t>
+            </a:r>
+            <a:endParaRPr lang="en-BR" sz="1100" dirty="0"/>
           </a:p>
         </p:txBody>
       </p:sp>
@@ -3524,9 +3530,10 @@
           <a:p>
             <a:pPr algn="r"/>
             <a:r>
-              <a:rPr lang="en-BR" sz="1100" dirty="0"/>
-              <a:t>C2</a:t>
-            </a:r>
+              <a:rPr lang="en-US" sz="1100" dirty="0"/>
+              <a:t>Custom client</a:t>
+            </a:r>
+            <a:endParaRPr lang="en-BR" sz="1100" dirty="0"/>
           </a:p>
         </p:txBody>
       </p:sp>
@@ -3842,7 +3849,7 @@
         <p:spPr>
           <a:xfrm>
             <a:off x="7094845" y="178130"/>
-            <a:ext cx="1632370" cy="369332"/>
+            <a:ext cx="619400" cy="369332"/>
           </a:xfrm>
           <a:prstGeom prst="rect">
             <a:avLst/>
@@ -3856,9 +3863,10 @@
           <a:lstStyle/>
           <a:p>
             <a:r>
-              <a:rPr lang="en-BR" dirty="0"/>
-              <a:t>Infra Santander</a:t>
-            </a:r>
+              <a:rPr lang="en-BR"/>
+              <a:t>Infra</a:t>
+            </a:r>
+            <a:endParaRPr lang="en-BR" dirty="0"/>
           </a:p>
         </p:txBody>
       </p:sp>
@@ -6009,6 +6017,245 @@
           </a:xfrm>
           <a:prstGeom prst="bentConnector2">
             <a:avLst/>
+          </a:prstGeom>
+          <a:ln>
+            <a:tailEnd type="triangle"/>
+          </a:ln>
+        </p:spPr>
+        <p:style>
+          <a:lnRef idx="1">
+            <a:schemeClr val="dk1"/>
+          </a:lnRef>
+          <a:fillRef idx="0">
+            <a:schemeClr val="dk1"/>
+          </a:fillRef>
+          <a:effectRef idx="0">
+            <a:schemeClr val="dk1"/>
+          </a:effectRef>
+          <a:fontRef idx="minor">
+            <a:schemeClr val="tx1"/>
+          </a:fontRef>
+        </p:style>
+      </p:cxnSp>
+      <p:sp>
+        <p:nvSpPr>
+          <p:cNvPr id="3" name="Rounded Rectangle 2">
+            <a:extLst>
+              <a:ext uri="{FF2B5EF4-FFF2-40B4-BE49-F238E27FC236}">
+                <a16:creationId xmlns:a16="http://schemas.microsoft.com/office/drawing/2014/main" id="{983BE717-16AF-AC61-275C-FBDE3BC126C0}"/>
+              </a:ext>
+            </a:extLst>
+          </p:cNvPr>
+          <p:cNvSpPr/>
+          <p:nvPr/>
+        </p:nvSpPr>
+        <p:spPr>
+          <a:xfrm>
+            <a:off x="10158197" y="2705577"/>
+            <a:ext cx="1339303" cy="484710"/>
+          </a:xfrm>
+          <a:prstGeom prst="roundRect">
+            <a:avLst/>
+          </a:prstGeom>
+        </p:spPr>
+        <p:style>
+          <a:lnRef idx="2">
+            <a:schemeClr val="dk1"/>
+          </a:lnRef>
+          <a:fillRef idx="1">
+            <a:schemeClr val="lt1"/>
+          </a:fillRef>
+          <a:effectRef idx="0">
+            <a:schemeClr val="dk1"/>
+          </a:effectRef>
+          <a:fontRef idx="minor">
+            <a:schemeClr val="dk1"/>
+          </a:fontRef>
+        </p:style>
+        <p:txBody>
+          <a:bodyPr rtlCol="0" anchor="b"/>
+          <a:lstStyle/>
+          <a:p>
+            <a:endParaRPr lang="en-BR" sz="1100" dirty="0"/>
+          </a:p>
+        </p:txBody>
+      </p:sp>
+      <p:sp>
+        <p:nvSpPr>
+          <p:cNvPr id="6" name="TextBox 5">
+            <a:extLst>
+              <a:ext uri="{FF2B5EF4-FFF2-40B4-BE49-F238E27FC236}">
+                <a16:creationId xmlns:a16="http://schemas.microsoft.com/office/drawing/2014/main" id="{C0AE05FF-0192-03C3-D0FC-066DFDC786F6}"/>
+              </a:ext>
+            </a:extLst>
+          </p:cNvPr>
+          <p:cNvSpPr txBox="1"/>
+          <p:nvPr/>
+        </p:nvSpPr>
+        <p:spPr>
+          <a:xfrm>
+            <a:off x="10566054" y="2767873"/>
+            <a:ext cx="184731" cy="261610"/>
+          </a:xfrm>
+          <a:prstGeom prst="rect">
+            <a:avLst/>
+          </a:prstGeom>
+          <a:noFill/>
+        </p:spPr>
+        <p:txBody>
+          <a:bodyPr wrap="none" rtlCol="0">
+            <a:spAutoFit/>
+          </a:bodyPr>
+          <a:lstStyle/>
+          <a:p>
+            <a:endParaRPr lang="en-BR" sz="1100" dirty="0"/>
+          </a:p>
+        </p:txBody>
+      </p:sp>
+      <p:cxnSp>
+        <p:nvCxnSpPr>
+          <p:cNvPr id="11" name="Straight Connector 10">
+            <a:extLst>
+              <a:ext uri="{FF2B5EF4-FFF2-40B4-BE49-F238E27FC236}">
+                <a16:creationId xmlns:a16="http://schemas.microsoft.com/office/drawing/2014/main" id="{6055E34A-3CB4-4752-E1B1-3F33C0925DAC}"/>
+              </a:ext>
+            </a:extLst>
+          </p:cNvPr>
+          <p:cNvCxnSpPr>
+            <a:cxnSpLocks/>
+          </p:cNvCxnSpPr>
+          <p:nvPr/>
+        </p:nvCxnSpPr>
+        <p:spPr>
+          <a:xfrm>
+            <a:off x="10660495" y="3029483"/>
+            <a:ext cx="701787" cy="0"/>
+          </a:xfrm>
+          <a:prstGeom prst="line">
+            <a:avLst/>
+          </a:prstGeom>
+        </p:spPr>
+        <p:style>
+          <a:lnRef idx="1">
+            <a:schemeClr val="accent1"/>
+          </a:lnRef>
+          <a:fillRef idx="0">
+            <a:schemeClr val="accent1"/>
+          </a:fillRef>
+          <a:effectRef idx="0">
+            <a:schemeClr val="accent1"/>
+          </a:effectRef>
+          <a:fontRef idx="minor">
+            <a:schemeClr val="tx1"/>
+          </a:fontRef>
+        </p:style>
+      </p:cxnSp>
+      <p:pic>
+        <p:nvPicPr>
+          <p:cNvPr id="1026" name="Picture 2" descr="Integración de Zipkin Tracing con Instana | IBM">
+            <a:extLst>
+              <a:ext uri="{FF2B5EF4-FFF2-40B4-BE49-F238E27FC236}">
+                <a16:creationId xmlns:a16="http://schemas.microsoft.com/office/drawing/2014/main" id="{DE9880BB-0F18-DBEC-3439-664184CA3DBE}"/>
+              </a:ext>
+            </a:extLst>
+          </p:cNvPr>
+          <p:cNvPicPr>
+            <a:picLocks noChangeAspect="1" noChangeArrowheads="1"/>
+          </p:cNvPicPr>
+          <p:nvPr/>
+        </p:nvPicPr>
+        <p:blipFill>
+          <a:blip r:embed="rId11">
+            <a:extLst>
+              <a:ext uri="{28A0092B-C50C-407E-A947-70E740481C1C}">
+                <a14:useLocalDpi xmlns:a14="http://schemas.microsoft.com/office/drawing/2010/main" val="0"/>
+              </a:ext>
+            </a:extLst>
+          </a:blip>
+          <a:srcRect/>
+          <a:stretch>
+            <a:fillRect/>
+          </a:stretch>
+        </p:blipFill>
+        <p:spPr bwMode="auto">
+          <a:xfrm>
+            <a:off x="10025018" y="2658874"/>
+            <a:ext cx="725767" cy="547462"/>
+          </a:xfrm>
+          <a:prstGeom prst="rect">
+            <a:avLst/>
+          </a:prstGeom>
+          <a:noFill/>
+          <a:extLst>
+            <a:ext uri="{909E8E84-426E-40DD-AFC4-6F175D3DCCD1}">
+              <a14:hiddenFill xmlns:a14="http://schemas.microsoft.com/office/drawing/2010/main">
+                <a:solidFill>
+                  <a:srgbClr val="FFFFFF"/>
+                </a:solidFill>
+              </a14:hiddenFill>
+            </a:ext>
+          </a:extLst>
+        </p:spPr>
+      </p:pic>
+      <p:sp>
+        <p:nvSpPr>
+          <p:cNvPr id="13" name="TextBox 12">
+            <a:extLst>
+              <a:ext uri="{FF2B5EF4-FFF2-40B4-BE49-F238E27FC236}">
+                <a16:creationId xmlns:a16="http://schemas.microsoft.com/office/drawing/2014/main" id="{7C42649F-441A-9DD5-0919-CF2BD6307812}"/>
+              </a:ext>
+            </a:extLst>
+          </p:cNvPr>
+          <p:cNvSpPr txBox="1"/>
+          <p:nvPr/>
+        </p:nvSpPr>
+        <p:spPr>
+          <a:xfrm>
+            <a:off x="10595134" y="2755080"/>
+            <a:ext cx="526106" cy="261610"/>
+          </a:xfrm>
+          <a:prstGeom prst="rect">
+            <a:avLst/>
+          </a:prstGeom>
+          <a:noFill/>
+        </p:spPr>
+        <p:txBody>
+          <a:bodyPr wrap="none" rtlCol="0">
+            <a:spAutoFit/>
+          </a:bodyPr>
+          <a:lstStyle/>
+          <a:p>
+            <a:r>
+              <a:rPr lang="en-US" sz="1100" dirty="0" err="1"/>
+              <a:t>Zipkin</a:t>
+            </a:r>
+            <a:endParaRPr lang="en-BR" sz="1100" dirty="0"/>
+          </a:p>
+        </p:txBody>
+      </p:sp>
+      <p:cxnSp>
+        <p:nvCxnSpPr>
+          <p:cNvPr id="15" name="Elbow Connector 14">
+            <a:extLst>
+              <a:ext uri="{FF2B5EF4-FFF2-40B4-BE49-F238E27FC236}">
+                <a16:creationId xmlns:a16="http://schemas.microsoft.com/office/drawing/2014/main" id="{2D5A1C6C-406B-2CAA-17A0-71F217376B48}"/>
+              </a:ext>
+            </a:extLst>
+          </p:cNvPr>
+          <p:cNvCxnSpPr>
+            <a:cxnSpLocks/>
+          </p:cNvCxnSpPr>
+          <p:nvPr/>
+        </p:nvCxnSpPr>
+        <p:spPr>
+          <a:xfrm>
+            <a:off x="8155422" y="2544554"/>
+            <a:ext cx="2000325" cy="388051"/>
+          </a:xfrm>
+          <a:prstGeom prst="bentConnector3">
+            <a:avLst>
+              <a:gd name="adj1" fmla="val 49475"/>
+            </a:avLst>
           </a:prstGeom>
           <a:ln>
             <a:tailEnd type="triangle"/>
@@ -6335,4 +6582,10 @@
     </a:ext>
   </a:extLst>
 </a:theme>
+</file>
+
+<file path=docMetadata/LabelInfo.xml><?xml version="1.0" encoding="utf-8"?>
+<clbl:labelList xmlns:clbl="http://schemas.microsoft.com/office/2020/mipLabelMetadata">
+  <clbl:label id="{1c3ba50a-93e8-411f-aceb-87183474575f}" enabled="1" method="Standard" siteId="{3bfeb222-e42c-4535-aace-ea6f7751369b}" contentBits="0" removed="0"/>
+</clbl:labelList>
 </file>